--- a/Lecture#21/Lecture_21_handout.pptx
+++ b/Lecture#21/Lecture_21_handout.pptx
@@ -6,10 +6,10 @@
     <p:sldMasterId id="2147483665" r:id="rId2"/>
   </p:sldMasterIdLst>
   <p:notesMasterIdLst>
-    <p:notesMasterId r:id="rId19"/>
+    <p:notesMasterId r:id="rId22"/>
   </p:notesMasterIdLst>
   <p:handoutMasterIdLst>
-    <p:handoutMasterId r:id="rId20"/>
+    <p:handoutMasterId r:id="rId23"/>
   </p:handoutMasterIdLst>
   <p:sldIdLst>
     <p:sldId id="260" r:id="rId3"/>
@@ -25,9 +25,12 @@
     <p:sldId id="479" r:id="rId13"/>
     <p:sldId id="425" r:id="rId14"/>
     <p:sldId id="480" r:id="rId15"/>
-    <p:sldId id="481" r:id="rId16"/>
-    <p:sldId id="482" r:id="rId17"/>
-    <p:sldId id="483" r:id="rId18"/>
+    <p:sldId id="484" r:id="rId16"/>
+    <p:sldId id="481" r:id="rId17"/>
+    <p:sldId id="482" r:id="rId18"/>
+    <p:sldId id="483" r:id="rId19"/>
+    <p:sldId id="485" r:id="rId20"/>
+    <p:sldId id="486" r:id="rId21"/>
   </p:sldIdLst>
   <p:sldSz cx="10058400" cy="7772400"/>
   <p:notesSz cx="7315200" cy="9601200"/>
@@ -280,7 +283,7 @@
                 </a:solidFill>
               </a:rPr>
               <a:pPr/>
-              <a:t>11/14/2019</a:t>
+              <a:t>11/19/2019</a:t>
             </a:fld>
             <a:endParaRPr lang="en-US" dirty="0">
               <a:solidFill>
@@ -441,7 +444,7 @@
             <a:fld id="{DBF7D493-8EEB-7E45-916B-5FBC49ABC710}" type="datetimeFigureOut">
               <a:rPr lang="en-US" smtClean="0"/>
               <a:pPr/>
-              <a:t>11/14/2019</a:t>
+              <a:t>11/19/2019</a:t>
             </a:fld>
             <a:endParaRPr lang="en-US" dirty="0"/>
           </a:p>
@@ -3672,6 +3675,60 @@
           <a:chExt cx="0" cy="0"/>
         </a:xfrm>
       </p:grpSpPr>
+      <p:pic>
+        <p:nvPicPr>
+          <p:cNvPr id="2" name="Picture 1"/>
+          <p:cNvPicPr>
+            <a:picLocks noChangeAspect="1"/>
+          </p:cNvPicPr>
+          <p:nvPr/>
+        </p:nvPicPr>
+        <p:blipFill>
+          <a:blip r:embed="rId2"/>
+          <a:stretch>
+            <a:fillRect/>
+          </a:stretch>
+        </p:blipFill>
+        <p:spPr>
+          <a:xfrm>
+            <a:off x="79510" y="313878"/>
+            <a:ext cx="9978890" cy="6757504"/>
+          </a:xfrm>
+          <a:prstGeom prst="rect">
+            <a:avLst/>
+          </a:prstGeom>
+        </p:spPr>
+      </p:pic>
+    </p:spTree>
+    <p:extLst>
+      <p:ext uri="{BB962C8B-B14F-4D97-AF65-F5344CB8AC3E}">
+        <p14:creationId xmlns:p14="http://schemas.microsoft.com/office/powerpoint/2010/main" val="681097362"/>
+      </p:ext>
+    </p:extLst>
+  </p:cSld>
+  <p:clrMapOvr>
+    <a:masterClrMapping/>
+  </p:clrMapOvr>
+</p:sld>
+</file>
+
+<file path=ppt/slides/slide15.xml><?xml version="1.0" encoding="utf-8"?>
+<p:sld xmlns:a="http://schemas.openxmlformats.org/drawingml/2006/main" xmlns:r="http://schemas.openxmlformats.org/officeDocument/2006/relationships" xmlns:p="http://schemas.openxmlformats.org/presentationml/2006/main">
+  <p:cSld>
+    <p:spTree>
+      <p:nvGrpSpPr>
+        <p:cNvPr id="1" name=""/>
+        <p:cNvGrpSpPr/>
+        <p:nvPr/>
+      </p:nvGrpSpPr>
+      <p:grpSpPr>
+        <a:xfrm>
+          <a:off x="0" y="0"/>
+          <a:ext cx="0" cy="0"/>
+          <a:chOff x="0" y="0"/>
+          <a:chExt cx="0" cy="0"/>
+        </a:xfrm>
+      </p:grpSpPr>
       <p:sp>
         <p:nvSpPr>
           <p:cNvPr id="2" name="Text Placeholder 1">
@@ -3760,7 +3817,7 @@
 </p:sld>
 </file>
 
-<file path=ppt/slides/slide15.xml><?xml version="1.0" encoding="utf-8"?>
+<file path=ppt/slides/slide16.xml><?xml version="1.0" encoding="utf-8"?>
 <p:sld xmlns:a="http://schemas.openxmlformats.org/drawingml/2006/main" xmlns:r="http://schemas.openxmlformats.org/officeDocument/2006/relationships" xmlns:p="http://schemas.openxmlformats.org/presentationml/2006/main">
   <p:cSld>
     <p:spTree>
@@ -3867,7 +3924,7 @@
 </p:sld>
 </file>
 
-<file path=ppt/slides/slide16.xml><?xml version="1.0" encoding="utf-8"?>
+<file path=ppt/slides/slide17.xml><?xml version="1.0" encoding="utf-8"?>
 <p:sld xmlns:a="http://schemas.openxmlformats.org/drawingml/2006/main" xmlns:r="http://schemas.openxmlformats.org/officeDocument/2006/relationships" xmlns:p="http://schemas.openxmlformats.org/presentationml/2006/main">
   <p:cSld>
     <p:spTree>
@@ -3964,6 +4021,335 @@
       </p:par>
     </p:tnLst>
   </p:timing>
+</p:sld>
+</file>
+
+<file path=ppt/slides/slide18.xml><?xml version="1.0" encoding="utf-8"?>
+<p:sld xmlns:a="http://schemas.openxmlformats.org/drawingml/2006/main" xmlns:r="http://schemas.openxmlformats.org/officeDocument/2006/relationships" xmlns:p="http://schemas.openxmlformats.org/presentationml/2006/main">
+  <p:cSld>
+    <p:spTree>
+      <p:nvGrpSpPr>
+        <p:cNvPr id="1" name=""/>
+        <p:cNvGrpSpPr/>
+        <p:nvPr/>
+      </p:nvGrpSpPr>
+      <p:grpSpPr>
+        <a:xfrm>
+          <a:off x="0" y="0"/>
+          <a:ext cx="0" cy="0"/>
+          <a:chOff x="0" y="0"/>
+          <a:chExt cx="0" cy="0"/>
+        </a:xfrm>
+      </p:grpSpPr>
+      <p:sp>
+        <p:nvSpPr>
+          <p:cNvPr id="2" name="Text Placeholder 1"/>
+          <p:cNvSpPr>
+            <a:spLocks noGrp="1"/>
+          </p:cNvSpPr>
+          <p:nvPr>
+            <p:ph type="body" sz="quarter" idx="10"/>
+          </p:nvPr>
+        </p:nvSpPr>
+        <p:spPr/>
+        <p:txBody>
+          <a:bodyPr/>
+          <a:lstStyle/>
+          <a:p>
+            <a:r>
+              <a:rPr lang="en-US" dirty="0" smtClean="0"/>
+              <a:t>Breadth First Search (BFS)</a:t>
+            </a:r>
+            <a:endParaRPr lang="en-US" dirty="0"/>
+          </a:p>
+        </p:txBody>
+      </p:sp>
+      <p:sp>
+        <p:nvSpPr>
+          <p:cNvPr id="3" name="Text Placeholder 2"/>
+          <p:cNvSpPr>
+            <a:spLocks noGrp="1"/>
+          </p:cNvSpPr>
+          <p:nvPr>
+            <p:ph type="body" sz="quarter" idx="12"/>
+          </p:nvPr>
+        </p:nvSpPr>
+        <p:spPr/>
+        <p:txBody>
+          <a:bodyPr/>
+          <a:lstStyle/>
+          <a:p>
+            <a:r>
+              <a:rPr lang="en-US" dirty="0" smtClean="0"/>
+              <a:t>Start at the root node and explores all neighboring nodes first. Then for each of these nearest nodes, it explores their unexplored neighbor nodes and so on. A queue data structure is used to carry out the search. </a:t>
+            </a:r>
+          </a:p>
+          <a:p>
+            <a:pPr marL="0" indent="0">
+              <a:buNone/>
+            </a:pPr>
+            <a:r>
+              <a:rPr lang="en-US" dirty="0" smtClean="0"/>
+              <a:t>	Suitable for finding shortest path in a graph - GPS application.</a:t>
+            </a:r>
+          </a:p>
+          <a:p>
+            <a:pPr marL="0" indent="0">
+              <a:buNone/>
+            </a:pPr>
+            <a:endParaRPr lang="en-US" b="1" dirty="0" smtClean="0"/>
+          </a:p>
+          <a:p>
+            <a:pPr marL="0" indent="0">
+              <a:buNone/>
+            </a:pPr>
+            <a:r>
+              <a:rPr lang="en-US" b="1" dirty="0" smtClean="0"/>
+              <a:t>Steps: </a:t>
+            </a:r>
+          </a:p>
+          <a:p>
+            <a:pPr marL="0" indent="0">
+              <a:buNone/>
+            </a:pPr>
+            <a:r>
+              <a:rPr lang="en-US" dirty="0" smtClean="0"/>
+              <a:t>1. </a:t>
+            </a:r>
+            <a:r>
+              <a:rPr lang="en-US" dirty="0" err="1" smtClean="0"/>
+              <a:t>Enqueue</a:t>
+            </a:r>
+            <a:r>
+              <a:rPr lang="en-US" dirty="0" smtClean="0"/>
+              <a:t> the root node.</a:t>
+            </a:r>
+          </a:p>
+          <a:p>
+            <a:pPr marL="0" indent="0">
+              <a:buNone/>
+            </a:pPr>
+            <a:r>
+              <a:rPr lang="en-US" dirty="0" smtClean="0"/>
+              <a:t>2. </a:t>
+            </a:r>
+            <a:r>
+              <a:rPr lang="en-US" dirty="0" err="1" smtClean="0"/>
+              <a:t>Dequeue</a:t>
+            </a:r>
+            <a:r>
+              <a:rPr lang="en-US" dirty="0" smtClean="0"/>
+              <a:t> the node and check it -if the sought element is found, done.</a:t>
+            </a:r>
+          </a:p>
+          <a:p>
+            <a:pPr marL="0" indent="0">
+              <a:buNone/>
+            </a:pPr>
+            <a:r>
+              <a:rPr lang="en-US" dirty="0" smtClean="0"/>
+              <a:t>Otherwise, </a:t>
+            </a:r>
+            <a:r>
+              <a:rPr lang="en-US" dirty="0" err="1" smtClean="0"/>
+              <a:t>enqueue</a:t>
+            </a:r>
+            <a:r>
+              <a:rPr lang="en-US" dirty="0" smtClean="0"/>
+              <a:t> any direct </a:t>
+            </a:r>
+            <a:r>
+              <a:rPr lang="en-US" dirty="0" err="1" smtClean="0"/>
+              <a:t>childs</a:t>
+            </a:r>
+            <a:r>
+              <a:rPr lang="en-US" dirty="0" smtClean="0"/>
+              <a:t> that have not been tested.</a:t>
+            </a:r>
+          </a:p>
+          <a:p>
+            <a:pPr marL="0" indent="0">
+              <a:buNone/>
+            </a:pPr>
+            <a:r>
+              <a:rPr lang="en-US" dirty="0" smtClean="0"/>
+              <a:t>3. Repeat step#2. </a:t>
+            </a:r>
+          </a:p>
+          <a:p>
+            <a:pPr marL="0" indent="0">
+              <a:buNone/>
+            </a:pPr>
+            <a:endParaRPr lang="en-US" dirty="0"/>
+          </a:p>
+          <a:p>
+            <a:pPr marL="0" indent="0">
+              <a:buNone/>
+            </a:pPr>
+            <a:r>
+              <a:rPr lang="en-US" dirty="0" smtClean="0"/>
+              <a:t>Code on </a:t>
+            </a:r>
+            <a:r>
+              <a:rPr lang="en-US" dirty="0" err="1" smtClean="0"/>
+              <a:t>Github</a:t>
+            </a:r>
+            <a:r>
+              <a:rPr lang="en-US" dirty="0" smtClean="0"/>
+              <a:t>: </a:t>
+            </a:r>
+            <a:r>
+              <a:rPr lang="en-US" dirty="0" err="1" smtClean="0"/>
+              <a:t>BST_search_BFS_DFS.c</a:t>
+            </a:r>
+            <a:endParaRPr lang="en-US" dirty="0"/>
+          </a:p>
+        </p:txBody>
+      </p:sp>
+    </p:spTree>
+    <p:extLst>
+      <p:ext uri="{BB962C8B-B14F-4D97-AF65-F5344CB8AC3E}">
+        <p14:creationId xmlns:p14="http://schemas.microsoft.com/office/powerpoint/2010/main" val="1120545426"/>
+      </p:ext>
+    </p:extLst>
+  </p:cSld>
+  <p:clrMapOvr>
+    <a:masterClrMapping/>
+  </p:clrMapOvr>
+</p:sld>
+</file>
+
+<file path=ppt/slides/slide19.xml><?xml version="1.0" encoding="utf-8"?>
+<p:sld xmlns:a="http://schemas.openxmlformats.org/drawingml/2006/main" xmlns:r="http://schemas.openxmlformats.org/officeDocument/2006/relationships" xmlns:p="http://schemas.openxmlformats.org/presentationml/2006/main">
+  <p:cSld>
+    <p:spTree>
+      <p:nvGrpSpPr>
+        <p:cNvPr id="1" name=""/>
+        <p:cNvGrpSpPr/>
+        <p:nvPr/>
+      </p:nvGrpSpPr>
+      <p:grpSpPr>
+        <a:xfrm>
+          <a:off x="0" y="0"/>
+          <a:ext cx="0" cy="0"/>
+          <a:chOff x="0" y="0"/>
+          <a:chExt cx="0" cy="0"/>
+        </a:xfrm>
+      </p:grpSpPr>
+      <p:sp>
+        <p:nvSpPr>
+          <p:cNvPr id="2" name="Text Placeholder 1"/>
+          <p:cNvSpPr>
+            <a:spLocks noGrp="1"/>
+          </p:cNvSpPr>
+          <p:nvPr>
+            <p:ph type="body" sz="quarter" idx="10"/>
+          </p:nvPr>
+        </p:nvSpPr>
+        <p:spPr/>
+        <p:txBody>
+          <a:bodyPr/>
+          <a:lstStyle/>
+          <a:p>
+            <a:r>
+              <a:rPr lang="en-US" dirty="0" smtClean="0"/>
+              <a:t>Depth </a:t>
+            </a:r>
+            <a:r>
+              <a:rPr lang="en-US" dirty="0"/>
+              <a:t>F</a:t>
+            </a:r>
+            <a:r>
+              <a:rPr lang="en-US" dirty="0" smtClean="0"/>
+              <a:t>irst Search (DFS) </a:t>
+            </a:r>
+            <a:endParaRPr lang="en-US" dirty="0"/>
+          </a:p>
+        </p:txBody>
+      </p:sp>
+      <p:sp>
+        <p:nvSpPr>
+          <p:cNvPr id="3" name="Text Placeholder 2"/>
+          <p:cNvSpPr>
+            <a:spLocks noGrp="1"/>
+          </p:cNvSpPr>
+          <p:nvPr>
+            <p:ph type="body" sz="quarter" idx="12"/>
+          </p:nvPr>
+        </p:nvSpPr>
+        <p:spPr/>
+        <p:txBody>
+          <a:bodyPr/>
+          <a:lstStyle/>
+          <a:p>
+            <a:pPr marL="0" indent="0">
+              <a:buNone/>
+            </a:pPr>
+            <a:r>
+              <a:rPr lang="en-US" dirty="0" smtClean="0"/>
+              <a:t>Start at the root node and explores as far as possible along each branch, going deeper and deeper in the tree.</a:t>
+            </a:r>
+          </a:p>
+          <a:p>
+            <a:pPr>
+              <a:buFontTx/>
+              <a:buChar char="-"/>
+            </a:pPr>
+            <a:r>
+              <a:rPr lang="en-US" dirty="0" smtClean="0"/>
+              <a:t>When a leaf node is reached, the algorithm backtracks to the parent node and checks its children nodes.</a:t>
+            </a:r>
+          </a:p>
+          <a:p>
+            <a:pPr>
+              <a:buFontTx/>
+              <a:buChar char="-"/>
+            </a:pPr>
+            <a:r>
+              <a:rPr lang="en-US" dirty="0" smtClean="0"/>
+              <a:t>Can be implemented as a recursive algorithm.</a:t>
+            </a:r>
+          </a:p>
+          <a:p>
+            <a:pPr marL="0" indent="0">
+              <a:buNone/>
+            </a:pPr>
+            <a:r>
+              <a:rPr lang="en-US" dirty="0"/>
+              <a:t> </a:t>
+            </a:r>
+            <a:r>
+              <a:rPr lang="en-US" dirty="0" smtClean="0"/>
+              <a:t>     (The algorithm used in on slide#6, “Search </a:t>
+            </a:r>
+            <a:r>
+              <a:rPr lang="en-US" dirty="0"/>
+              <a:t>for a Node in </a:t>
+            </a:r>
+            <a:r>
+              <a:rPr lang="en-US" dirty="0" smtClean="0"/>
+              <a:t>BST” used DFS)</a:t>
+            </a:r>
+            <a:endParaRPr lang="en-US" dirty="0"/>
+          </a:p>
+          <a:p>
+            <a:pPr marL="0" indent="0">
+              <a:buNone/>
+            </a:pPr>
+            <a:endParaRPr lang="en-US" dirty="0"/>
+          </a:p>
+        </p:txBody>
+      </p:sp>
+    </p:spTree>
+    <p:extLst>
+      <p:ext uri="{BB962C8B-B14F-4D97-AF65-F5344CB8AC3E}">
+        <p14:creationId xmlns:p14="http://schemas.microsoft.com/office/powerpoint/2010/main" val="24439217"/>
+      </p:ext>
+    </p:extLst>
+  </p:cSld>
+  <p:clrMapOvr>
+    <a:masterClrMapping/>
+  </p:clrMapOvr>
 </p:sld>
 </file>
 

--- a/Lecture#21/Lecture_21_handout.pptx
+++ b/Lecture#21/Lecture_21_handout.pptx
@@ -6,10 +6,10 @@
     <p:sldMasterId id="2147483665" r:id="rId2"/>
   </p:sldMasterIdLst>
   <p:notesMasterIdLst>
-    <p:notesMasterId r:id="rId22"/>
+    <p:notesMasterId r:id="rId24"/>
   </p:notesMasterIdLst>
   <p:handoutMasterIdLst>
-    <p:handoutMasterId r:id="rId23"/>
+    <p:handoutMasterId r:id="rId25"/>
   </p:handoutMasterIdLst>
   <p:sldIdLst>
     <p:sldId id="260" r:id="rId3"/>
@@ -30,7 +30,9 @@
     <p:sldId id="482" r:id="rId18"/>
     <p:sldId id="483" r:id="rId19"/>
     <p:sldId id="485" r:id="rId20"/>
-    <p:sldId id="486" r:id="rId21"/>
+    <p:sldId id="487" r:id="rId21"/>
+    <p:sldId id="488" r:id="rId22"/>
+    <p:sldId id="486" r:id="rId23"/>
   </p:sldIdLst>
   <p:sldSz cx="10058400" cy="7772400"/>
   <p:notesSz cx="7315200" cy="9601200"/>
@@ -4236,114 +4238,34 @@
           <a:chExt cx="0" cy="0"/>
         </a:xfrm>
       </p:grpSpPr>
-      <p:sp>
-        <p:nvSpPr>
-          <p:cNvPr id="2" name="Text Placeholder 1"/>
-          <p:cNvSpPr>
-            <a:spLocks noGrp="1"/>
-          </p:cNvSpPr>
-          <p:nvPr>
-            <p:ph type="body" sz="quarter" idx="10"/>
-          </p:nvPr>
-        </p:nvSpPr>
-        <p:spPr/>
-        <p:txBody>
-          <a:bodyPr/>
-          <a:lstStyle/>
-          <a:p>
-            <a:r>
-              <a:rPr lang="en-US" dirty="0" smtClean="0"/>
-              <a:t>Depth </a:t>
-            </a:r>
-            <a:r>
-              <a:rPr lang="en-US" dirty="0"/>
-              <a:t>F</a:t>
-            </a:r>
-            <a:r>
-              <a:rPr lang="en-US" dirty="0" smtClean="0"/>
-              <a:t>irst Search (DFS) </a:t>
-            </a:r>
-            <a:endParaRPr lang="en-US" dirty="0"/>
-          </a:p>
-        </p:txBody>
-      </p:sp>
-      <p:sp>
-        <p:nvSpPr>
-          <p:cNvPr id="3" name="Text Placeholder 2"/>
-          <p:cNvSpPr>
-            <a:spLocks noGrp="1"/>
-          </p:cNvSpPr>
-          <p:nvPr>
-            <p:ph type="body" sz="quarter" idx="12"/>
-          </p:nvPr>
-        </p:nvSpPr>
-        <p:spPr/>
-        <p:txBody>
-          <a:bodyPr/>
-          <a:lstStyle/>
-          <a:p>
-            <a:pPr marL="0" indent="0">
-              <a:buNone/>
-            </a:pPr>
-            <a:r>
-              <a:rPr lang="en-US" dirty="0" smtClean="0"/>
-              <a:t>Start at the root node and explores as far as possible along each branch, going deeper and deeper in the tree.</a:t>
-            </a:r>
-          </a:p>
-          <a:p>
-            <a:pPr>
-              <a:buFontTx/>
-              <a:buChar char="-"/>
-            </a:pPr>
-            <a:r>
-              <a:rPr lang="en-US" dirty="0" smtClean="0"/>
-              <a:t>When a leaf node is reached, the algorithm backtracks to the parent node and checks its children nodes.</a:t>
-            </a:r>
-          </a:p>
-          <a:p>
-            <a:pPr>
-              <a:buFontTx/>
-              <a:buChar char="-"/>
-            </a:pPr>
-            <a:r>
-              <a:rPr lang="en-US" dirty="0" smtClean="0"/>
-              <a:t>Can be implemented as a recursive algorithm.</a:t>
-            </a:r>
-          </a:p>
-          <a:p>
-            <a:pPr marL="0" indent="0">
-              <a:buNone/>
-            </a:pPr>
-            <a:r>
-              <a:rPr lang="en-US" dirty="0"/>
-              <a:t> </a:t>
-            </a:r>
-            <a:r>
-              <a:rPr lang="en-US" dirty="0" smtClean="0"/>
-              <a:t>     (The algorithm used in on slide#6, “Search </a:t>
-            </a:r>
-            <a:r>
-              <a:rPr lang="en-US" dirty="0"/>
-              <a:t>for a Node in </a:t>
-            </a:r>
-            <a:r>
-              <a:rPr lang="en-US" dirty="0" smtClean="0"/>
-              <a:t>BST” used DFS)</a:t>
-            </a:r>
-            <a:endParaRPr lang="en-US" dirty="0"/>
-          </a:p>
-          <a:p>
-            <a:pPr marL="0" indent="0">
-              <a:buNone/>
-            </a:pPr>
-            <a:endParaRPr lang="en-US" dirty="0"/>
-          </a:p>
-        </p:txBody>
-      </p:sp>
+      <p:pic>
+        <p:nvPicPr>
+          <p:cNvPr id="4" name="Picture 3"/>
+          <p:cNvPicPr>
+            <a:picLocks noChangeAspect="1"/>
+          </p:cNvPicPr>
+          <p:nvPr/>
+        </p:nvPicPr>
+        <p:blipFill>
+          <a:blip r:embed="rId2"/>
+          <a:stretch>
+            <a:fillRect/>
+          </a:stretch>
+        </p:blipFill>
+        <p:spPr>
+          <a:xfrm>
+            <a:off x="72737" y="446810"/>
+            <a:ext cx="9886595" cy="5936239"/>
+          </a:xfrm>
+          <a:prstGeom prst="rect">
+            <a:avLst/>
+          </a:prstGeom>
+        </p:spPr>
+      </p:pic>
     </p:spTree>
     <p:extLst>
       <p:ext uri="{BB962C8B-B14F-4D97-AF65-F5344CB8AC3E}">
-        <p14:creationId xmlns:p14="http://schemas.microsoft.com/office/powerpoint/2010/main" val="24439217"/>
+        <p14:creationId xmlns:p14="http://schemas.microsoft.com/office/powerpoint/2010/main" val="284743181"/>
       </p:ext>
     </p:extLst>
   </p:cSld>
@@ -4718,6 +4640,223 @@
       </p:par>
     </p:tnLst>
   </p:timing>
+</p:sld>
+</file>
+
+<file path=ppt/slides/slide20.xml><?xml version="1.0" encoding="utf-8"?>
+<p:sld xmlns:a="http://schemas.openxmlformats.org/drawingml/2006/main" xmlns:r="http://schemas.openxmlformats.org/officeDocument/2006/relationships" xmlns:p="http://schemas.openxmlformats.org/presentationml/2006/main">
+  <p:cSld>
+    <p:spTree>
+      <p:nvGrpSpPr>
+        <p:cNvPr id="1" name=""/>
+        <p:cNvGrpSpPr/>
+        <p:nvPr/>
+      </p:nvGrpSpPr>
+      <p:grpSpPr>
+        <a:xfrm>
+          <a:off x="0" y="0"/>
+          <a:ext cx="0" cy="0"/>
+          <a:chOff x="0" y="0"/>
+          <a:chExt cx="0" cy="0"/>
+        </a:xfrm>
+      </p:grpSpPr>
+      <p:pic>
+        <p:nvPicPr>
+          <p:cNvPr id="4" name="Picture 3"/>
+          <p:cNvPicPr>
+            <a:picLocks noChangeAspect="1"/>
+          </p:cNvPicPr>
+          <p:nvPr/>
+        </p:nvPicPr>
+        <p:blipFill>
+          <a:blip r:embed="rId2"/>
+          <a:stretch>
+            <a:fillRect/>
+          </a:stretch>
+        </p:blipFill>
+        <p:spPr>
+          <a:xfrm>
+            <a:off x="135080" y="161845"/>
+            <a:ext cx="6699539" cy="4749592"/>
+          </a:xfrm>
+          <a:prstGeom prst="rect">
+            <a:avLst/>
+          </a:prstGeom>
+        </p:spPr>
+      </p:pic>
+      <p:pic>
+        <p:nvPicPr>
+          <p:cNvPr id="5" name="Picture 4"/>
+          <p:cNvPicPr>
+            <a:picLocks noChangeAspect="1"/>
+          </p:cNvPicPr>
+          <p:nvPr/>
+        </p:nvPicPr>
+        <p:blipFill>
+          <a:blip r:embed="rId3"/>
+          <a:stretch>
+            <a:fillRect/>
+          </a:stretch>
+        </p:blipFill>
+        <p:spPr>
+          <a:xfrm>
+            <a:off x="5361709" y="4333008"/>
+            <a:ext cx="4696691" cy="3335023"/>
+          </a:xfrm>
+          <a:prstGeom prst="rect">
+            <a:avLst/>
+          </a:prstGeom>
+          <a:ln>
+            <a:solidFill>
+              <a:schemeClr val="accent1"/>
+            </a:solidFill>
+          </a:ln>
+        </p:spPr>
+      </p:pic>
+    </p:spTree>
+    <p:extLst>
+      <p:ext uri="{BB962C8B-B14F-4D97-AF65-F5344CB8AC3E}">
+        <p14:creationId xmlns:p14="http://schemas.microsoft.com/office/powerpoint/2010/main" val="4144603177"/>
+      </p:ext>
+    </p:extLst>
+  </p:cSld>
+  <p:clrMapOvr>
+    <a:masterClrMapping/>
+  </p:clrMapOvr>
+</p:sld>
+</file>
+
+<file path=ppt/slides/slide21.xml><?xml version="1.0" encoding="utf-8"?>
+<p:sld xmlns:a="http://schemas.openxmlformats.org/drawingml/2006/main" xmlns:r="http://schemas.openxmlformats.org/officeDocument/2006/relationships" xmlns:p="http://schemas.openxmlformats.org/presentationml/2006/main">
+  <p:cSld>
+    <p:spTree>
+      <p:nvGrpSpPr>
+        <p:cNvPr id="1" name=""/>
+        <p:cNvGrpSpPr/>
+        <p:nvPr/>
+      </p:nvGrpSpPr>
+      <p:grpSpPr>
+        <a:xfrm>
+          <a:off x="0" y="0"/>
+          <a:ext cx="0" cy="0"/>
+          <a:chOff x="0" y="0"/>
+          <a:chExt cx="0" cy="0"/>
+        </a:xfrm>
+      </p:grpSpPr>
+      <p:sp>
+        <p:nvSpPr>
+          <p:cNvPr id="2" name="Text Placeholder 1"/>
+          <p:cNvSpPr>
+            <a:spLocks noGrp="1"/>
+          </p:cNvSpPr>
+          <p:nvPr>
+            <p:ph type="body" sz="quarter" idx="10"/>
+          </p:nvPr>
+        </p:nvSpPr>
+        <p:spPr/>
+        <p:txBody>
+          <a:bodyPr/>
+          <a:lstStyle/>
+          <a:p>
+            <a:r>
+              <a:rPr lang="en-US" dirty="0" smtClean="0"/>
+              <a:t>Depth </a:t>
+            </a:r>
+            <a:r>
+              <a:rPr lang="en-US" dirty="0"/>
+              <a:t>F</a:t>
+            </a:r>
+            <a:r>
+              <a:rPr lang="en-US" dirty="0" smtClean="0"/>
+              <a:t>irst Search (DFS) </a:t>
+            </a:r>
+            <a:endParaRPr lang="en-US" dirty="0"/>
+          </a:p>
+        </p:txBody>
+      </p:sp>
+      <p:sp>
+        <p:nvSpPr>
+          <p:cNvPr id="3" name="Text Placeholder 2"/>
+          <p:cNvSpPr>
+            <a:spLocks noGrp="1"/>
+          </p:cNvSpPr>
+          <p:nvPr>
+            <p:ph type="body" sz="quarter" idx="12"/>
+          </p:nvPr>
+        </p:nvSpPr>
+        <p:spPr/>
+        <p:txBody>
+          <a:bodyPr/>
+          <a:lstStyle/>
+          <a:p>
+            <a:pPr marL="0" indent="0">
+              <a:buNone/>
+            </a:pPr>
+            <a:r>
+              <a:rPr lang="en-US" dirty="0" smtClean="0"/>
+              <a:t>Start at the root node and explores as far as possible along each branch, going deeper and deeper in the tree.</a:t>
+            </a:r>
+          </a:p>
+          <a:p>
+            <a:pPr>
+              <a:buFontTx/>
+              <a:buChar char="-"/>
+            </a:pPr>
+            <a:r>
+              <a:rPr lang="en-US" dirty="0" smtClean="0"/>
+              <a:t>When a leaf node is reached, the algorithm backtracks to the parent node and checks its children nodes.</a:t>
+            </a:r>
+          </a:p>
+          <a:p>
+            <a:pPr>
+              <a:buFontTx/>
+              <a:buChar char="-"/>
+            </a:pPr>
+            <a:r>
+              <a:rPr lang="en-US" dirty="0" smtClean="0"/>
+              <a:t>Can be implemented as a recursive algorithm.</a:t>
+            </a:r>
+          </a:p>
+          <a:p>
+            <a:pPr marL="0" indent="0">
+              <a:buNone/>
+            </a:pPr>
+            <a:r>
+              <a:rPr lang="en-US" dirty="0"/>
+              <a:t> </a:t>
+            </a:r>
+            <a:r>
+              <a:rPr lang="en-US" dirty="0" smtClean="0"/>
+              <a:t>     (The algorithm used in on slide#6, “Search </a:t>
+            </a:r>
+            <a:r>
+              <a:rPr lang="en-US" dirty="0"/>
+              <a:t>for a Node in </a:t>
+            </a:r>
+            <a:r>
+              <a:rPr lang="en-US" dirty="0" smtClean="0"/>
+              <a:t>BST” used DFS)</a:t>
+            </a:r>
+            <a:endParaRPr lang="en-US" dirty="0"/>
+          </a:p>
+          <a:p>
+            <a:pPr marL="0" indent="0">
+              <a:buNone/>
+            </a:pPr>
+            <a:endParaRPr lang="en-US" dirty="0"/>
+          </a:p>
+        </p:txBody>
+      </p:sp>
+    </p:spTree>
+    <p:extLst>
+      <p:ext uri="{BB962C8B-B14F-4D97-AF65-F5344CB8AC3E}">
+        <p14:creationId xmlns:p14="http://schemas.microsoft.com/office/powerpoint/2010/main" val="24439217"/>
+      </p:ext>
+    </p:extLst>
+  </p:cSld>
+  <p:clrMapOvr>
+    <a:masterClrMapping/>
+  </p:clrMapOvr>
 </p:sld>
 </file>
 

--- a/Lecture#21/Lecture_21_handout.pptx
+++ b/Lecture#21/Lecture_21_handout.pptx
@@ -1033,6 +1033,67 @@
     <p:extLst>
       <p:ext uri="{BB962C8B-B14F-4D97-AF65-F5344CB8AC3E}">
         <p14:creationId xmlns:p14="http://schemas.microsoft.com/office/powerpoint/2010/main" val="1061890790"/>
+      </p:ext>
+    </p:extLst>
+  </p:cSld>
+  <p:clrMapOvr>
+    <a:masterClrMapping/>
+  </p:clrMapOvr>
+</p:notes>
+</file>
+
+<file path=ppt/notesSlides/notesSlide6.xml><?xml version="1.0" encoding="utf-8"?>
+<p:notes xmlns:a="http://schemas.openxmlformats.org/drawingml/2006/main" xmlns:r="http://schemas.openxmlformats.org/officeDocument/2006/relationships" xmlns:p="http://schemas.openxmlformats.org/presentationml/2006/main">
+  <p:cSld>
+    <p:spTree>
+      <p:nvGrpSpPr>
+        <p:cNvPr id="1" name=""/>
+        <p:cNvGrpSpPr/>
+        <p:nvPr/>
+      </p:nvGrpSpPr>
+      <p:grpSpPr>
+        <a:xfrm>
+          <a:off x="0" y="0"/>
+          <a:ext cx="0" cy="0"/>
+          <a:chOff x="0" y="0"/>
+          <a:chExt cx="0" cy="0"/>
+        </a:xfrm>
+      </p:grpSpPr>
+      <p:sp>
+        <p:nvSpPr>
+          <p:cNvPr id="2" name="Slide Image Placeholder 1"/>
+          <p:cNvSpPr>
+            <a:spLocks noGrp="1" noRot="1" noChangeAspect="1"/>
+          </p:cNvSpPr>
+          <p:nvPr>
+            <p:ph type="sldImg"/>
+          </p:nvPr>
+        </p:nvSpPr>
+        <p:spPr/>
+      </p:sp>
+      <p:sp>
+        <p:nvSpPr>
+          <p:cNvPr id="3" name="Notes Placeholder 2"/>
+          <p:cNvSpPr>
+            <a:spLocks noGrp="1"/>
+          </p:cNvSpPr>
+          <p:nvPr>
+            <p:ph type="body" idx="1"/>
+          </p:nvPr>
+        </p:nvSpPr>
+        <p:spPr/>
+        <p:txBody>
+          <a:bodyPr/>
+          <a:lstStyle/>
+          <a:p>
+            <a:endParaRPr lang="en-US" dirty="0"/>
+          </a:p>
+        </p:txBody>
+      </p:sp>
+    </p:spTree>
+    <p:extLst>
+      <p:ext uri="{BB962C8B-B14F-4D97-AF65-F5344CB8AC3E}">
+        <p14:creationId xmlns:p14="http://schemas.microsoft.com/office/powerpoint/2010/main" val="2292804211"/>
       </p:ext>
     </p:extLst>
   </p:cSld>
@@ -4669,7 +4730,7 @@
           <p:nvPr/>
         </p:nvPicPr>
         <p:blipFill>
-          <a:blip r:embed="rId2"/>
+          <a:blip r:embed="rId3"/>
           <a:stretch>
             <a:fillRect/>
           </a:stretch>
@@ -4693,14 +4754,14 @@
           <p:nvPr/>
         </p:nvPicPr>
         <p:blipFill>
-          <a:blip r:embed="rId3"/>
+          <a:blip r:embed="rId4"/>
           <a:stretch>
             <a:fillRect/>
           </a:stretch>
         </p:blipFill>
         <p:spPr>
           <a:xfrm>
-            <a:off x="5361709" y="4333008"/>
+            <a:off x="5337805" y="4336161"/>
             <a:ext cx="4696691" cy="3335023"/>
           </a:xfrm>
           <a:prstGeom prst="rect">
@@ -4827,15 +4888,31 @@
             </a:r>
             <a:r>
               <a:rPr lang="en-US" dirty="0" smtClean="0"/>
-              <a:t>     (The algorithm used in on slide#6, “Search </a:t>
+              <a:t>     (The algorithm </a:t>
+            </a:r>
+            <a:r>
+              <a:rPr lang="en-US" smtClean="0"/>
+              <a:t>used in </a:t>
+            </a:r>
+            <a:r>
+              <a:rPr lang="en-US" dirty="0" smtClean="0"/>
+              <a:t>slide#6, “Search </a:t>
             </a:r>
             <a:r>
               <a:rPr lang="en-US" dirty="0"/>
-              <a:t>for a Node in </a:t>
+              <a:t>for a Node </a:t>
+            </a:r>
+            <a:r>
+              <a:rPr lang="en-US"/>
+              <a:t>in </a:t>
+            </a:r>
+            <a:r>
+              <a:rPr lang="en-US" smtClean="0"/>
+              <a:t>BST,” is DFS</a:t>
             </a:r>
             <a:r>
               <a:rPr lang="en-US" dirty="0" smtClean="0"/>
-              <a:t>BST” used DFS)</a:t>
+              <a:t>)</a:t>
             </a:r>
             <a:endParaRPr lang="en-US" dirty="0"/>
           </a:p>

--- a/Lecture#21/Lecture_21_handout.pptx
+++ b/Lecture#21/Lecture_21_handout.pptx
@@ -4323,6 +4323,35 @@
           </a:prstGeom>
         </p:spPr>
       </p:pic>
+      <p:pic>
+        <p:nvPicPr>
+          <p:cNvPr id="5" name="Picture 4"/>
+          <p:cNvPicPr>
+            <a:picLocks noChangeAspect="1"/>
+          </p:cNvPicPr>
+          <p:nvPr/>
+        </p:nvPicPr>
+        <p:blipFill rotWithShape="1">
+          <a:blip r:embed="rId3"/>
+          <a:srcRect r="49921"/>
+          <a:stretch/>
+        </p:blipFill>
+        <p:spPr>
+          <a:xfrm>
+            <a:off x="6324838" y="96253"/>
+            <a:ext cx="3634494" cy="3070137"/>
+          </a:xfrm>
+          <a:prstGeom prst="rect">
+            <a:avLst/>
+          </a:prstGeom>
+          <a:noFill/>
+          <a:ln>
+            <a:solidFill>
+              <a:schemeClr val="accent1"/>
+            </a:solidFill>
+          </a:ln>
+        </p:spPr>
+      </p:pic>
     </p:spTree>
     <p:extLst>
       <p:ext uri="{BB962C8B-B14F-4D97-AF65-F5344CB8AC3E}">
@@ -4888,31 +4917,15 @@
             </a:r>
             <a:r>
               <a:rPr lang="en-US" dirty="0" smtClean="0"/>
-              <a:t>     (The algorithm </a:t>
-            </a:r>
-            <a:r>
-              <a:rPr lang="en-US" smtClean="0"/>
-              <a:t>used in </a:t>
+              <a:t>     (The algorithm used in slide#6, “Search </a:t>
+            </a:r>
+            <a:r>
+              <a:rPr lang="en-US" dirty="0"/>
+              <a:t>for a Node in </a:t>
             </a:r>
             <a:r>
               <a:rPr lang="en-US" dirty="0" smtClean="0"/>
-              <a:t>slide#6, “Search </a:t>
-            </a:r>
-            <a:r>
-              <a:rPr lang="en-US" dirty="0"/>
-              <a:t>for a Node </a:t>
-            </a:r>
-            <a:r>
-              <a:rPr lang="en-US"/>
-              <a:t>in </a:t>
-            </a:r>
-            <a:r>
-              <a:rPr lang="en-US" smtClean="0"/>
-              <a:t>BST,” is DFS</a:t>
-            </a:r>
-            <a:r>
-              <a:rPr lang="en-US" dirty="0" smtClean="0"/>
-              <a:t>)</a:t>
+              <a:t>BST,” is DFS)</a:t>
             </a:r>
             <a:endParaRPr lang="en-US" dirty="0"/>
           </a:p>
